--- a/PHP - Урок 23 - PHP_Laravel-Pagination, Seeding-ДЗ.pptx
+++ b/PHP - Урок 23 - PHP_Laravel-Pagination, Seeding-ДЗ.pptx
@@ -11353,18 +11353,7 @@
                 <a:cs typeface="Arial" panose="020B0604020202020204" pitchFamily="34" charset="0"/>
                 <a:sym typeface="Arial" panose="020B0604020202020204" pitchFamily="34" charset="0"/>
               </a:rPr>
-              <a:t> </a:t>
-            </a:r>
-            <a:r>
-              <a:rPr lang="en-US" altLang="ru-RU" sz="2000" b="1" dirty="0" smtClean="0">
-                <a:solidFill>
-                  <a:srgbClr val="4C5D6E"/>
-                </a:solidFill>
-                <a:latin typeface="Arial" panose="020B0604020202020204" pitchFamily="34" charset="0"/>
-                <a:cs typeface="Arial" panose="020B0604020202020204" pitchFamily="34" charset="0"/>
-                <a:sym typeface="Arial" panose="020B0604020202020204" pitchFamily="34" charset="0"/>
-              </a:rPr>
-              <a:t>23</a:t>
+              <a:t> 23</a:t>
             </a:r>
             <a:endParaRPr lang="ru-RU" altLang="ru-RU" dirty="0">
               <a:latin typeface="Arial" panose="020B0604020202020204" pitchFamily="34" charset="0"/>
@@ -11581,7 +11570,7 @@
               </a:buClr>
             </a:pPr>
             <a:r>
-              <a:rPr lang="en-US" altLang="ru-RU" sz="4000" dirty="0" err="1" smtClean="0">
+              <a:rPr lang="en-US" altLang="ru-RU" sz="4000" dirty="0" err="1">
                 <a:solidFill>
                   <a:srgbClr val="4C5D6E"/>
                 </a:solidFill>
@@ -11697,13 +11686,6 @@
               </a:rPr>
               <a:t>Factory </a:t>
             </a:r>
-            <a:endParaRPr lang="en-US" altLang="ru-RU" sz="2400" dirty="0">
-              <a:solidFill>
-                <a:schemeClr val="bg1">
-                  <a:lumMod val="50000"/>
-                </a:schemeClr>
-              </a:solidFill>
-            </a:endParaRPr>
           </a:p>
         </p:txBody>
       </p:sp>
@@ -11712,13 +11694,6 @@
   <p:clrMapOvr>
     <a:masterClrMapping/>
   </p:clrMapOvr>
-  <p:timing>
-    <p:tnLst>
-      <p:par>
-        <p:cTn id="1" dur="indefinite" restart="never" nodeType="tmRoot"/>
-      </p:par>
-    </p:tnLst>
-  </p:timing>
 </p:sld>
 </file>
 
@@ -11970,13 +11945,6 @@
   <p:clrMapOvr>
     <a:masterClrMapping/>
   </p:clrMapOvr>
-  <p:timing>
-    <p:tnLst>
-      <p:par>
-        <p:cTn id="1" dur="indefinite" restart="never" nodeType="tmRoot"/>
-      </p:par>
-    </p:tnLst>
-  </p:timing>
 </p:sld>
 </file>
 
@@ -12212,7 +12180,7 @@
               </a:buClr>
             </a:pPr>
             <a:r>
-              <a:rPr lang="ru-RU" altLang="ru-RU" sz="3200" dirty="0" smtClean="0">
+              <a:rPr lang="ru-RU" altLang="ru-RU" sz="3200" dirty="0">
                 <a:solidFill>
                   <a:srgbClr val="4C5D6E"/>
                 </a:solidFill>
@@ -12238,7 +12206,7 @@
         <p:spPr>
           <a:xfrm>
             <a:off x="683568" y="987574"/>
-            <a:ext cx="7848872" cy="3293209"/>
+            <a:ext cx="7848872" cy="3785652"/>
           </a:xfrm>
           <a:prstGeom prst="rect">
             <a:avLst/>
@@ -12252,27 +12220,23 @@
           <a:lstStyle/>
           <a:p>
             <a:pPr algn="ctr"/>
-            <a:endParaRPr lang="en-US" sz="1600" dirty="0" smtClean="0"/>
+            <a:endParaRPr lang="en-US" sz="1600" dirty="0"/>
           </a:p>
           <a:p>
             <a:pPr indent="360363"/>
             <a:r>
-              <a:rPr lang="ru-RU" sz="1600" b="1" dirty="0" smtClean="0"/>
+              <a:rPr lang="ru-RU" sz="1600" b="1" dirty="0"/>
               <a:t>Задача</a:t>
             </a:r>
             <a:r>
-              <a:rPr lang="en-US" sz="1600" dirty="0" smtClean="0"/>
+              <a:rPr lang="en-US" sz="1600" dirty="0"/>
               <a:t>: </a:t>
             </a:r>
             <a:r>
-              <a:rPr lang="ru-RU" sz="1600" dirty="0" smtClean="0"/>
-              <a:t>Реализуйте </a:t>
+              <a:rPr lang="ru-RU" sz="1600" dirty="0"/>
+              <a:t>Реализуйте сайт про города и страны. </a:t>
             </a:r>
-            <a:r>
-              <a:rPr lang="ru-RU" sz="1600" dirty="0"/>
-              <a:t>сайт про города и страны. </a:t>
-            </a:r>
-            <a:endParaRPr lang="en-US" sz="1600" dirty="0" smtClean="0"/>
+            <a:endParaRPr lang="en-US" sz="1600" dirty="0"/>
           </a:p>
           <a:p>
             <a:pPr indent="360363"/>
@@ -12284,7 +12248,7 @@
               <a:rPr lang="ru-RU" sz="1600" dirty="0"/>
               <a:t>На главной странице сайта должен быть список стран. Каждая страна должна представлять собой ссылку. При переходе по этой ссылке должен открыться список городов данной страны. </a:t>
             </a:r>
-            <a:endParaRPr lang="en-US" sz="1600" dirty="0" smtClean="0"/>
+            <a:endParaRPr lang="en-US" sz="1600" dirty="0"/>
           </a:p>
           <a:p>
             <a:pPr indent="360363"/>
@@ -12296,47 +12260,129 @@
               <a:rPr lang="ru-RU" sz="1600" dirty="0"/>
               <a:t>Каждый город также должен представлять собой ссылку. При переходе по этой ссылке должен открыться список достопримечательностей данного города, также в виде ссылок. Каждая из этих ссылок должна вести на страницу с описанием достопримечательности. </a:t>
             </a:r>
-            <a:endParaRPr lang="en-US" sz="1600" dirty="0" smtClean="0"/>
+            <a:endParaRPr lang="en-US" sz="1600" dirty="0"/>
           </a:p>
           <a:p>
             <a:pPr indent="360363"/>
             <a:endParaRPr lang="en-US" sz="1600" dirty="0"/>
           </a:p>
           <a:p>
-            <a:pPr indent="360363"/>
+            <a:pPr marL="285750" indent="-285750">
+              <a:buFont typeface="Arial" panose="020B0604020202020204" pitchFamily="34" charset="0"/>
+              <a:buChar char="•"/>
+            </a:pPr>
             <a:r>
-              <a:rPr lang="en-US" sz="1600" dirty="0">
+              <a:rPr lang="ru-RU" b="1" dirty="0"/>
+              <a:t>Список стран: </a:t>
+            </a:r>
+            <a:r>
+              <a:rPr lang="en-US" b="1" dirty="0">
                 <a:hlinkClick r:id="rId3"/>
               </a:rPr>
-              <a:t>http://laravel/countries</a:t>
+              <a:t>http://laravel</a:t>
             </a:r>
             <a:r>
-              <a:rPr lang="en-US" sz="1600" dirty="0"/>
+              <a:rPr lang="ru-RU" b="1" dirty="0">
+                <a:hlinkClick r:id="rId3"/>
+              </a:rPr>
+              <a:t>5</a:t>
+            </a:r>
+            <a:r>
+              <a:rPr lang="en-US" b="1" dirty="0">
+                <a:hlinkClick r:id="rId3"/>
+              </a:rPr>
+              <a:t>/countries</a:t>
+            </a:r>
+            <a:r>
+              <a:rPr lang="en-US" b="1" dirty="0"/>
               <a:t>, </a:t>
             </a:r>
+            <a:endParaRPr lang="ru-RU" b="1" dirty="0"/>
+          </a:p>
+          <a:p>
+            <a:pPr marL="285750" indent="-285750">
+              <a:buFont typeface="Arial" panose="020B0604020202020204" pitchFamily="34" charset="0"/>
+              <a:buChar char="•"/>
+            </a:pPr>
             <a:r>
-              <a:rPr lang="en-US" sz="1600" dirty="0">
+              <a:rPr lang="ru-RU" b="1" dirty="0"/>
+              <a:t>Список городов </a:t>
+            </a:r>
+            <a:r>
+              <a:rPr lang="en-US" b="1" dirty="0"/>
+              <a:t>:</a:t>
+            </a:r>
+            <a:r>
+              <a:rPr lang="ru-RU" b="1" dirty="0"/>
+              <a:t> </a:t>
+            </a:r>
+            <a:r>
+              <a:rPr lang="en-US" b="1" dirty="0">
                 <a:hlinkClick r:id="rId4"/>
               </a:rPr>
-              <a:t>http://laravel/cities</a:t>
+              <a:t>http://laravel</a:t>
             </a:r>
             <a:r>
-              <a:rPr lang="en-US" sz="1600" dirty="0"/>
+              <a:rPr lang="ru-RU" b="1" dirty="0">
+                <a:hlinkClick r:id="rId4"/>
+              </a:rPr>
+              <a:t>5</a:t>
+            </a:r>
+            <a:r>
+              <a:rPr lang="en-US" b="1" dirty="0">
+                <a:hlinkClick r:id="rId4"/>
+              </a:rPr>
+              <a:t>/</a:t>
+            </a:r>
+            <a:r>
+              <a:rPr lang="en-US" b="1" dirty="0" err="1">
+                <a:hlinkClick r:id="rId4"/>
+              </a:rPr>
+              <a:t>cities?country_id</a:t>
+            </a:r>
+            <a:r>
+              <a:rPr lang="en-US" b="1" dirty="0">
+                <a:hlinkClick r:id="rId4"/>
+              </a:rPr>
+              <a:t>=xxx</a:t>
+            </a:r>
+            <a:r>
+              <a:rPr lang="en-US" b="1" dirty="0"/>
               <a:t>, </a:t>
             </a:r>
+            <a:endParaRPr lang="ru-RU" b="1" dirty="0"/>
+          </a:p>
+          <a:p>
+            <a:pPr marL="285750" indent="-285750">
+              <a:buFont typeface="Arial" panose="020B0604020202020204" pitchFamily="34" charset="0"/>
+              <a:buChar char="•"/>
+            </a:pPr>
             <a:r>
-              <a:rPr lang="en-US" sz="1600" dirty="0">
+              <a:rPr lang="ru-RU" b="1" dirty="0"/>
+              <a:t>Список достопримечательностей: </a:t>
+            </a:r>
+            <a:r>
+              <a:rPr lang="en-US" b="1" dirty="0">
                 <a:hlinkClick r:id="rId5"/>
               </a:rPr>
-              <a:t>http://</a:t>
+              <a:t>http://laravel</a:t>
             </a:r>
             <a:r>
-              <a:rPr lang="en-US" sz="1600" dirty="0" smtClean="0">
+              <a:rPr lang="ru-RU" b="1" dirty="0">
                 <a:hlinkClick r:id="rId5"/>
               </a:rPr>
-              <a:t>laravel/landmarks</a:t>
+              <a:t>5</a:t>
             </a:r>
-            <a:endParaRPr lang="en-US" sz="1600" dirty="0"/>
+            <a:r>
+              <a:rPr lang="en-US" b="1" dirty="0">
+                <a:hlinkClick r:id="rId5"/>
+              </a:rPr>
+              <a:t>/landmarks?city_id=xxx</a:t>
+            </a:r>
+            <a:r>
+              <a:rPr lang="en-US" b="1" dirty="0"/>
+              <a:t>  </a:t>
+            </a:r>
           </a:p>
         </p:txBody>
       </p:sp>
@@ -12350,13 +12396,6 @@
   <p:clrMapOvr>
     <a:masterClrMapping/>
   </p:clrMapOvr>
-  <p:timing>
-    <p:tnLst>
-      <p:par>
-        <p:cTn id="1" dur="indefinite" restart="never" nodeType="tmRoot"/>
-      </p:par>
-    </p:tnLst>
-  </p:timing>
 </p:sld>
 </file>
 
